--- a/doc/Plant.pptx
+++ b/doc/Plant.pptx
@@ -110,6 +110,11 @@
       </a:defRPr>
     </a:lvl9pPr>
   </p:defaultTextStyle>
+  <p:extLst>
+    <p:ext uri="{EFAFB233-063F-42B5-8137-9DF3F51BA10A}">
+      <p15:sldGuideLst xmlns:p15="http://schemas.microsoft.com/office/powerpoint/2012/main"/>
+    </p:ext>
+  </p:extLst>
 </p:presentation>
 </file>
 
@@ -195,7 +200,7 @@
           <a:p>
             <a:fld id="{BADD1A5C-2BFF-4904-B054-ECBC08F914AF}" type="datetimeFigureOut">
               <a:rPr lang="zh-CN" altLang="en-US" smtClean="0"/>
-              <a:t>2018/11/1</a:t>
+              <a:t>2018/11/2</a:t>
             </a:fld>
             <a:endParaRPr lang="zh-CN" altLang="en-US"/>
           </a:p>
@@ -609,7 +614,7 @@
           <a:p>
             <a:fld id="{EC5BEEA0-0DBE-4F53-BBC1-FC3FE36A8E7D}" type="datetime1">
               <a:rPr lang="zh-CN" altLang="en-US" smtClean="0"/>
-              <a:t>2018/11/1</a:t>
+              <a:t>2018/11/2</a:t>
             </a:fld>
             <a:endParaRPr lang="zh-CN" altLang="en-US"/>
           </a:p>
@@ -850,7 +855,7 @@
           <a:p>
             <a:fld id="{F33440B4-DA03-4C42-A86E-7252395AD410}" type="datetime1">
               <a:rPr lang="zh-CN" altLang="en-US" smtClean="0"/>
-              <a:t>2018/11/1</a:t>
+              <a:t>2018/11/2</a:t>
             </a:fld>
             <a:endParaRPr lang="zh-CN" altLang="en-US"/>
           </a:p>
@@ -5874,16 +5879,15 @@
           </p:cNvPicPr>
           <p:nvPr/>
         </p:nvPicPr>
-        <p:blipFill>
+        <p:blipFill rotWithShape="1">
           <a:blip r:embed="rId5"/>
-          <a:stretch>
-            <a:fillRect/>
-          </a:stretch>
+          <a:srcRect l="557"/>
+          <a:stretch/>
         </p:blipFill>
         <p:spPr>
           <a:xfrm>
-            <a:off x="7280228" y="1259987"/>
-            <a:ext cx="3881326" cy="5181523"/>
+            <a:off x="7301828" y="1259987"/>
+            <a:ext cx="3859726" cy="5181523"/>
           </a:xfrm>
           <a:prstGeom prst="rect">
             <a:avLst/>
